--- a/Documentation/Connection diagram.pptx
+++ b/Documentation/Connection diagram.pptx
@@ -289,7 +289,7 @@
             <a:fld id="{CF977F59-54EB-4E43-86A7-831B365E5D14}" type="datetimeFigureOut">
               <a:rPr lang="sv-SE" smtClean="0"/>
               <a:pPr/>
-              <a:t>2025-01-18</a:t>
+              <a:t>2025-02-20</a:t>
             </a:fld>
             <a:endParaRPr lang="sv-SE"/>
           </a:p>
@@ -456,7 +456,7 @@
             <a:fld id="{CF977F59-54EB-4E43-86A7-831B365E5D14}" type="datetimeFigureOut">
               <a:rPr lang="sv-SE" smtClean="0"/>
               <a:pPr/>
-              <a:t>2025-01-18</a:t>
+              <a:t>2025-02-20</a:t>
             </a:fld>
             <a:endParaRPr lang="sv-SE"/>
           </a:p>
@@ -633,7 +633,7 @@
             <a:fld id="{CF977F59-54EB-4E43-86A7-831B365E5D14}" type="datetimeFigureOut">
               <a:rPr lang="sv-SE" smtClean="0"/>
               <a:pPr/>
-              <a:t>2025-01-18</a:t>
+              <a:t>2025-02-20</a:t>
             </a:fld>
             <a:endParaRPr lang="sv-SE"/>
           </a:p>
@@ -800,7 +800,7 @@
             <a:fld id="{CF977F59-54EB-4E43-86A7-831B365E5D14}" type="datetimeFigureOut">
               <a:rPr lang="sv-SE" smtClean="0"/>
               <a:pPr/>
-              <a:t>2025-01-18</a:t>
+              <a:t>2025-02-20</a:t>
             </a:fld>
             <a:endParaRPr lang="sv-SE"/>
           </a:p>
@@ -1043,7 +1043,7 @@
             <a:fld id="{CF977F59-54EB-4E43-86A7-831B365E5D14}" type="datetimeFigureOut">
               <a:rPr lang="sv-SE" smtClean="0"/>
               <a:pPr/>
-              <a:t>2025-01-18</a:t>
+              <a:t>2025-02-20</a:t>
             </a:fld>
             <a:endParaRPr lang="sv-SE"/>
           </a:p>
@@ -1328,7 +1328,7 @@
             <a:fld id="{CF977F59-54EB-4E43-86A7-831B365E5D14}" type="datetimeFigureOut">
               <a:rPr lang="sv-SE" smtClean="0"/>
               <a:pPr/>
-              <a:t>2025-01-18</a:t>
+              <a:t>2025-02-20</a:t>
             </a:fld>
             <a:endParaRPr lang="sv-SE"/>
           </a:p>
@@ -1747,7 +1747,7 @@
             <a:fld id="{CF977F59-54EB-4E43-86A7-831B365E5D14}" type="datetimeFigureOut">
               <a:rPr lang="sv-SE" smtClean="0"/>
               <a:pPr/>
-              <a:t>2025-01-18</a:t>
+              <a:t>2025-02-20</a:t>
             </a:fld>
             <a:endParaRPr lang="sv-SE"/>
           </a:p>
@@ -1862,7 +1862,7 @@
             <a:fld id="{CF977F59-54EB-4E43-86A7-831B365E5D14}" type="datetimeFigureOut">
               <a:rPr lang="sv-SE" smtClean="0"/>
               <a:pPr/>
-              <a:t>2025-01-18</a:t>
+              <a:t>2025-02-20</a:t>
             </a:fld>
             <a:endParaRPr lang="sv-SE"/>
           </a:p>
@@ -1954,7 +1954,7 @@
             <a:fld id="{CF977F59-54EB-4E43-86A7-831B365E5D14}" type="datetimeFigureOut">
               <a:rPr lang="sv-SE" smtClean="0"/>
               <a:pPr/>
-              <a:t>2025-01-18</a:t>
+              <a:t>2025-02-20</a:t>
             </a:fld>
             <a:endParaRPr lang="sv-SE"/>
           </a:p>
@@ -2228,7 +2228,7 @@
             <a:fld id="{CF977F59-54EB-4E43-86A7-831B365E5D14}" type="datetimeFigureOut">
               <a:rPr lang="sv-SE" smtClean="0"/>
               <a:pPr/>
-              <a:t>2025-01-18</a:t>
+              <a:t>2025-02-20</a:t>
             </a:fld>
             <a:endParaRPr lang="sv-SE"/>
           </a:p>
@@ -2478,7 +2478,7 @@
             <a:fld id="{CF977F59-54EB-4E43-86A7-831B365E5D14}" type="datetimeFigureOut">
               <a:rPr lang="sv-SE" smtClean="0"/>
               <a:pPr/>
-              <a:t>2025-01-18</a:t>
+              <a:t>2025-02-20</a:t>
             </a:fld>
             <a:endParaRPr lang="sv-SE"/>
           </a:p>
@@ -2688,7 +2688,7 @@
             <a:fld id="{CF977F59-54EB-4E43-86A7-831B365E5D14}" type="datetimeFigureOut">
               <a:rPr lang="sv-SE" smtClean="0"/>
               <a:pPr/>
-              <a:t>2025-01-18</a:t>
+              <a:t>2025-02-20</a:t>
             </a:fld>
             <a:endParaRPr lang="sv-SE"/>
           </a:p>
@@ -5887,8 +5887,8 @@
         </p:nvSpPr>
         <p:spPr>
           <a:xfrm>
-            <a:off x="3695748" y="476672"/>
-            <a:ext cx="1812356" cy="369332"/>
+            <a:off x="3882656" y="476672"/>
+            <a:ext cx="1372363" cy="369332"/>
           </a:xfrm>
           <a:prstGeom prst="rect">
             <a:avLst/>
@@ -5902,8 +5902,8 @@
           <a:lstStyle/>
           <a:p>
             <a:r>
-              <a:rPr lang="sv-SE" dirty="0" smtClean="0"/>
-              <a:t>Kopplingsschema</a:t>
+              <a:rPr lang="sv-SE" dirty="0" err="1" smtClean="0"/>
+              <a:t>mqttTamBox</a:t>
             </a:r>
             <a:endParaRPr lang="sv-SE" dirty="0"/>
           </a:p>
@@ -6104,6 +6104,36 @@
           </a:fontRef>
         </p:style>
       </p:cxnSp>
+      <p:sp>
+        <p:nvSpPr>
+          <p:cNvPr id="73" name="textruta 72"/>
+          <p:cNvSpPr txBox="1"/>
+          <p:nvPr/>
+        </p:nvSpPr>
+        <p:spPr>
+          <a:xfrm>
+            <a:off x="3203848" y="764704"/>
+            <a:ext cx="2729978" cy="276999"/>
+          </a:xfrm>
+          <a:prstGeom prst="rect">
+            <a:avLst/>
+          </a:prstGeom>
+          <a:noFill/>
+        </p:spPr>
+        <p:txBody>
+          <a:bodyPr wrap="none" rtlCol="0">
+            <a:spAutoFit/>
+          </a:bodyPr>
+          <a:lstStyle/>
+          <a:p>
+            <a:r>
+              <a:rPr lang="sv-SE" sz="1200" dirty="0" smtClean="0"/>
+              <a:t>https://github.com/etxbct/mqttTamBox/</a:t>
+            </a:r>
+            <a:endParaRPr lang="sv-SE" sz="1200" dirty="0"/>
+          </a:p>
+        </p:txBody>
+      </p:sp>
     </p:spTree>
   </p:cSld>
   <p:clrMapOvr>
